--- a/07_infrastructure_as_code/terraform.pptx
+++ b/07_infrastructure_as_code/terraform.pptx
@@ -5,16 +5,18 @@
     <p:sldMasterId id="2147483767" r:id="rId1"/>
   </p:sldMasterIdLst>
   <p:notesMasterIdLst>
-    <p:notesMasterId r:id="rId9"/>
+    <p:notesMasterId r:id="rId11"/>
   </p:notesMasterIdLst>
   <p:sldIdLst>
     <p:sldId id="256" r:id="rId2"/>
     <p:sldId id="334" r:id="rId3"/>
     <p:sldId id="338" r:id="rId4"/>
     <p:sldId id="341" r:id="rId5"/>
-    <p:sldId id="342" r:id="rId6"/>
-    <p:sldId id="339" r:id="rId7"/>
-    <p:sldId id="340" r:id="rId8"/>
+    <p:sldId id="343" r:id="rId6"/>
+    <p:sldId id="340" r:id="rId7"/>
+    <p:sldId id="342" r:id="rId8"/>
+    <p:sldId id="339" r:id="rId9"/>
+    <p:sldId id="344" r:id="rId10"/>
   </p:sldIdLst>
   <p:sldSz cx="12192000" cy="6858000"/>
   <p:notesSz cx="6858000" cy="9144000"/>
@@ -215,7 +217,7 @@
           <a:p>
             <a:fld id="{A43B11FB-9B80-4C19-B4A9-63E0706041E8}" type="datetimeFigureOut">
               <a:rPr lang="en-US" smtClean="0"/>
-              <a:t>1/10/2021</a:t>
+              <a:t>1/10/2022</a:t>
             </a:fld>
             <a:endParaRPr lang="en-US"/>
           </a:p>
@@ -650,7 +652,7 @@
           <a:p>
             <a:fld id="{9E016143-E03C-4CFD-AFDC-14E5BDEA754C}" type="datetimeFigureOut">
               <a:rPr lang="en-US" dirty="0"/>
-              <a:t>1/10/2021</a:t>
+              <a:t>1/10/2022</a:t>
             </a:fld>
             <a:endParaRPr lang="en-US" dirty="0"/>
           </a:p>
@@ -1031,7 +1033,7 @@
           <a:p>
             <a:fld id="{5E6440AA-91A0-436F-8FDB-C0F939DCAE21}" type="datetimeFigureOut">
               <a:rPr lang="en-US" dirty="0"/>
-              <a:t>1/10/2021</a:t>
+              <a:t>1/10/2022</a:t>
             </a:fld>
             <a:endParaRPr lang="en-US" dirty="0"/>
           </a:p>
@@ -1201,7 +1203,7 @@
           <a:p>
             <a:fld id="{C033E54A-A8CA-48C1-9504-691B58049D29}" type="datetimeFigureOut">
               <a:rPr lang="en-US" dirty="0"/>
-              <a:t>1/10/2021</a:t>
+              <a:t>1/10/2022</a:t>
             </a:fld>
             <a:endParaRPr lang="en-US" dirty="0"/>
           </a:p>
@@ -1381,7 +1383,7 @@
           <a:p>
             <a:fld id="{B5F6C806-BBF7-471C-9527-881CE2266695}" type="datetimeFigureOut">
               <a:rPr lang="en-US" dirty="0"/>
-              <a:t>1/10/2021</a:t>
+              <a:t>1/10/2022</a:t>
             </a:fld>
             <a:endParaRPr lang="en-US" dirty="0"/>
           </a:p>
@@ -1616,7 +1618,7 @@
           <a:p>
             <a:fld id="{78C94063-DF36-4330-A365-08DA1FA5B7D6}" type="datetimeFigureOut">
               <a:rPr lang="en-US" dirty="0"/>
-              <a:t>1/10/2021</a:t>
+              <a:t>1/10/2022</a:t>
             </a:fld>
             <a:endParaRPr lang="en-US" dirty="0"/>
           </a:p>
@@ -1860,7 +1862,7 @@
           <a:p>
             <a:fld id="{78C94063-DF36-4330-A365-08DA1FA5B7D6}" type="datetimeFigureOut">
               <a:rPr lang="en-US" dirty="0"/>
-              <a:t>1/10/2021</a:t>
+              <a:t>1/10/2022</a:t>
             </a:fld>
             <a:endParaRPr lang="en-US" dirty="0"/>
           </a:p>
@@ -2130,7 +2132,7 @@
           <a:p>
             <a:fld id="{908A7C6C-0F39-4D70-8E8D-FE5B9C95FA73}" type="datetimeFigureOut">
               <a:rPr lang="en-US" dirty="0"/>
-              <a:t>1/10/2021</a:t>
+              <a:t>1/10/2022</a:t>
             </a:fld>
             <a:endParaRPr lang="en-US" dirty="0"/>
           </a:p>
@@ -2456,7 +2458,7 @@
           <a:p>
             <a:fld id="{DFCFA4AC-08CC-42CE-BD01-C191750A04EC}" type="datetimeFigureOut">
               <a:rPr lang="en-US" dirty="0"/>
-              <a:t>1/10/2021</a:t>
+              <a:t>1/10/2022</a:t>
             </a:fld>
             <a:endParaRPr lang="en-US" dirty="0"/>
           </a:p>
@@ -2907,7 +2909,7 @@
           <a:p>
             <a:fld id="{1BA7A723-92A7-435B-B681-F25B092FEFEB}" type="datetimeFigureOut">
               <a:rPr lang="en-US" dirty="0"/>
-              <a:t>1/10/2021</a:t>
+              <a:t>1/10/2022</a:t>
             </a:fld>
             <a:endParaRPr lang="en-US" dirty="0"/>
           </a:p>
@@ -3025,7 +3027,7 @@
           <a:p>
             <a:fld id="{4F170639-886C-4FCF-9EAB-ABB5DA3F3F4A}" type="datetimeFigureOut">
               <a:rPr lang="en-US" dirty="0"/>
-              <a:t>1/10/2021</a:t>
+              <a:t>1/10/2022</a:t>
             </a:fld>
             <a:endParaRPr lang="en-US" dirty="0"/>
           </a:p>
@@ -3120,7 +3122,7 @@
           <a:p>
             <a:fld id="{22230651-31F4-45D2-98AE-A2108F41BC07}" type="datetimeFigureOut">
               <a:rPr lang="en-US" dirty="0"/>
-              <a:t>1/10/2021</a:t>
+              <a:t>1/10/2022</a:t>
             </a:fld>
             <a:endParaRPr lang="en-US" dirty="0"/>
           </a:p>
@@ -3407,7 +3409,7 @@
           <a:p>
             <a:fld id="{6F53789A-C914-4DB1-8815-80B5EC7335C5}" type="datetimeFigureOut">
               <a:rPr lang="en-US" dirty="0"/>
-              <a:t>1/10/2021</a:t>
+              <a:t>1/10/2022</a:t>
             </a:fld>
             <a:endParaRPr lang="en-US" dirty="0"/>
           </a:p>
@@ -3661,7 +3663,7 @@
           <a:p>
             <a:fld id="{0E59FD0C-5451-4CA0-86AF-E70AE3279989}" type="datetimeFigureOut">
               <a:rPr lang="en-US" dirty="0"/>
-              <a:t>1/10/2021</a:t>
+              <a:t>1/10/2022</a:t>
             </a:fld>
             <a:endParaRPr lang="en-US" dirty="0"/>
           </a:p>
@@ -5116,7 +5118,7 @@
           <p:cNvPr id="2" name="Title 1">
             <a:extLst>
               <a:ext uri="{FF2B5EF4-FFF2-40B4-BE49-F238E27FC236}">
-                <a16:creationId xmlns:a16="http://schemas.microsoft.com/office/drawing/2014/main" id="{B2B5108D-A598-4EC8-8266-16064EBEB23A}"/>
+                <a16:creationId xmlns:a16="http://schemas.microsoft.com/office/drawing/2014/main" id="{53572E3A-D320-40C9-9AFD-520A15340CC2}"/>
               </a:ext>
             </a:extLst>
           </p:cNvPr>
@@ -5134,7 +5136,7 @@
           <a:p>
             <a:r>
               <a:rPr lang="en-US" dirty="0"/>
-              <a:t>Terraform state</a:t>
+              <a:t>Terraform resources (aka. Resource Blocks)</a:t>
             </a:r>
           </a:p>
         </p:txBody>
@@ -5144,7 +5146,7 @@
           <p:cNvPr id="3" name="Content Placeholder 2">
             <a:extLst>
               <a:ext uri="{FF2B5EF4-FFF2-40B4-BE49-F238E27FC236}">
-                <a16:creationId xmlns:a16="http://schemas.microsoft.com/office/drawing/2014/main" id="{81C765B9-0AA8-413A-A5BC-C4CBA24CD9CD}"/>
+                <a16:creationId xmlns:a16="http://schemas.microsoft.com/office/drawing/2014/main" id="{247B2D5E-3407-4DE9-A1BE-986C1617F4F1}"/>
               </a:ext>
             </a:extLst>
           </p:cNvPr>
@@ -5155,130 +5157,208 @@
             <p:ph idx="1"/>
           </p:nvPr>
         </p:nvSpPr>
+        <p:spPr/>
+        <p:txBody>
+          <a:bodyPr/>
+          <a:lstStyle/>
+          <a:p>
+            <a:r>
+              <a:rPr lang="en-US" dirty="0"/>
+              <a:t>Each terraform provider contains resources</a:t>
+            </a:r>
+          </a:p>
+          <a:p>
+            <a:r>
+              <a:rPr lang="en-US" dirty="0"/>
+              <a:t>The most important element in the language</a:t>
+            </a:r>
+          </a:p>
+          <a:p>
+            <a:r>
+              <a:rPr lang="en-US" dirty="0"/>
+              <a:t>Describes one or more infrastructure objects</a:t>
+            </a:r>
+          </a:p>
+        </p:txBody>
+      </p:sp>
+      <p:sp>
+        <p:nvSpPr>
+          <p:cNvPr id="4" name="TextBox 3">
+            <a:extLst>
+              <a:ext uri="{FF2B5EF4-FFF2-40B4-BE49-F238E27FC236}">
+                <a16:creationId xmlns:a16="http://schemas.microsoft.com/office/drawing/2014/main" id="{419DCBBF-076F-4270-B483-FAECF8740DD3}"/>
+              </a:ext>
+            </a:extLst>
+          </p:cNvPr>
+          <p:cNvSpPr txBox="1"/>
+          <p:nvPr/>
+        </p:nvSpPr>
         <p:spPr>
           <a:xfrm>
-            <a:off x="393894" y="1008220"/>
-            <a:ext cx="10560618" cy="5849779"/>
+            <a:off x="393894" y="2705068"/>
+            <a:ext cx="6103398" cy="2062103"/>
           </a:xfrm>
+          <a:prstGeom prst="rect">
+            <a:avLst/>
+          </a:prstGeom>
+          <a:noFill/>
         </p:spPr>
         <p:txBody>
-          <a:bodyPr>
-            <a:normAutofit lnSpcReduction="10000"/>
+          <a:bodyPr wrap="square">
+            <a:spAutoFit/>
           </a:bodyPr>
           <a:lstStyle/>
           <a:p>
             <a:r>
-              <a:rPr lang="en-US" dirty="0"/>
-              <a:t>Terraform keeps track of your infrastructure using the state</a:t>
-            </a:r>
-          </a:p>
-          <a:p>
-            <a:pPr lvl="1"/>
-            <a:r>
-              <a:rPr lang="en-US" dirty="0"/>
-              <a:t>State is required and terraform cannot work without it</a:t>
-            </a:r>
-          </a:p>
-          <a:p>
-            <a:endParaRPr lang="en-US" dirty="0"/>
-          </a:p>
-          <a:p>
-            <a:r>
-              <a:rPr lang="en-US" dirty="0"/>
-              <a:t>The primary purpose </a:t>
-            </a:r>
-          </a:p>
-          <a:p>
-            <a:pPr lvl="1"/>
-            <a:r>
-              <a:rPr lang="en-US" dirty="0"/>
-              <a:t>Keep bindings between objects in a remote system and resource instances declared in your configuration</a:t>
-            </a:r>
-          </a:p>
-          <a:p>
-            <a:pPr lvl="1"/>
-            <a:r>
-              <a:rPr lang="en-US" dirty="0"/>
-              <a:t>Record the identity of the object, and then update or delete that object</a:t>
-            </a:r>
-          </a:p>
-          <a:p>
-            <a:endParaRPr lang="en-US" dirty="0"/>
-          </a:p>
-          <a:p>
-            <a:r>
-              <a:rPr lang="en-US" dirty="0"/>
-              <a:t>The state is stored by default in a local file named "</a:t>
-            </a:r>
-            <a:r>
-              <a:rPr lang="en-US" dirty="0" err="1"/>
-              <a:t>terraform.tfstate</a:t>
-            </a:r>
-            <a:r>
-              <a:rPr lang="en-US" dirty="0"/>
-              <a:t>“</a:t>
-            </a:r>
-          </a:p>
-          <a:p>
-            <a:pPr lvl="1"/>
-            <a:r>
-              <a:rPr lang="en-US" dirty="0"/>
-              <a:t>Good for local testing and simple setups</a:t>
-            </a:r>
-          </a:p>
-          <a:p>
-            <a:endParaRPr lang="en-US" dirty="0"/>
-          </a:p>
-          <a:p>
-            <a:r>
-              <a:rPr lang="en-US" dirty="0"/>
-              <a:t>The state can also be stored remotely </a:t>
-            </a:r>
-          </a:p>
-          <a:p>
-            <a:pPr lvl="1"/>
-            <a:r>
-              <a:rPr lang="en-US" dirty="0"/>
-              <a:t>Good for a team setup</a:t>
-            </a:r>
-          </a:p>
-          <a:p>
-            <a:pPr lvl="1"/>
-            <a:r>
-              <a:rPr lang="en-US" dirty="0"/>
-              <a:t>Supports different backends (e.g. S3, GCS and etc.)</a:t>
-            </a:r>
-          </a:p>
-          <a:p>
-            <a:pPr lvl="1"/>
-            <a:endParaRPr lang="en-US" dirty="0"/>
-          </a:p>
-          <a:p>
-            <a:r>
-              <a:rPr lang="en-US" dirty="0"/>
-              <a:t>Terraform state is just a json file</a:t>
-            </a:r>
-          </a:p>
-          <a:p>
-            <a:pPr lvl="1"/>
-            <a:r>
-              <a:rPr lang="en-US" dirty="0"/>
-              <a:t>Manual modifications of the state file are </a:t>
-            </a:r>
-            <a:r>
-              <a:rPr lang="en-US" b="1" dirty="0"/>
-              <a:t>discouraged</a:t>
-            </a:r>
-          </a:p>
-          <a:p>
-            <a:endParaRPr lang="en-US" dirty="0"/>
+              <a:rPr lang="en-US" sz="1600" b="0" dirty="0">
+                <a:effectLst/>
+                <a:latin typeface="Consolas" panose="020B0609020204030204" pitchFamily="49" charset="0"/>
+              </a:rPr>
+              <a:t>resource "</a:t>
+            </a:r>
+            <a:r>
+              <a:rPr lang="en-US" sz="1600" b="1" dirty="0" err="1">
+                <a:effectLst/>
+                <a:latin typeface="Consolas" panose="020B0609020204030204" pitchFamily="49" charset="0"/>
+              </a:rPr>
+              <a:t>aws_instance</a:t>
+            </a:r>
+            <a:r>
+              <a:rPr lang="en-US" sz="1600" b="0" dirty="0">
+                <a:effectLst/>
+                <a:latin typeface="Consolas" panose="020B0609020204030204" pitchFamily="49" charset="0"/>
+              </a:rPr>
+              <a:t>"  "</a:t>
+            </a:r>
+            <a:r>
+              <a:rPr lang="en-US" sz="1600" b="0" dirty="0" err="1">
+                <a:effectLst/>
+                <a:latin typeface="Consolas" panose="020B0609020204030204" pitchFamily="49" charset="0"/>
+              </a:rPr>
+              <a:t>vm</a:t>
+            </a:r>
+            <a:r>
+              <a:rPr lang="en-US" sz="1600" b="0" dirty="0">
+                <a:effectLst/>
+                <a:latin typeface="Consolas" panose="020B0609020204030204" pitchFamily="49" charset="0"/>
+              </a:rPr>
+              <a:t>" {</a:t>
+            </a:r>
+          </a:p>
+          <a:p>
+            <a:r>
+              <a:rPr lang="en-US" sz="1600" b="0" dirty="0">
+                <a:effectLst/>
+                <a:latin typeface="Consolas" panose="020B0609020204030204" pitchFamily="49" charset="0"/>
+              </a:rPr>
+              <a:t>  </a:t>
+            </a:r>
+            <a:r>
+              <a:rPr lang="en-US" sz="1600" b="0" dirty="0" err="1">
+                <a:effectLst/>
+                <a:latin typeface="Consolas" panose="020B0609020204030204" pitchFamily="49" charset="0"/>
+              </a:rPr>
+              <a:t>ami</a:t>
+            </a:r>
+            <a:r>
+              <a:rPr lang="en-US" sz="1600" b="0" dirty="0">
+                <a:effectLst/>
+                <a:latin typeface="Consolas" panose="020B0609020204030204" pitchFamily="49" charset="0"/>
+              </a:rPr>
+              <a:t>           = "</a:t>
+            </a:r>
+            <a:r>
+              <a:rPr lang="en-US" sz="1600" b="0" dirty="0" err="1">
+                <a:effectLst/>
+                <a:latin typeface="Consolas" panose="020B0609020204030204" pitchFamily="49" charset="0"/>
+              </a:rPr>
+              <a:t>xyz</a:t>
+            </a:r>
+            <a:r>
+              <a:rPr lang="en-US" sz="1600" b="0" dirty="0">
+                <a:effectLst/>
+                <a:latin typeface="Consolas" panose="020B0609020204030204" pitchFamily="49" charset="0"/>
+              </a:rPr>
+              <a:t>"</a:t>
+            </a:r>
+          </a:p>
+          <a:p>
+            <a:r>
+              <a:rPr lang="en-US" sz="1600" b="0" dirty="0">
+                <a:effectLst/>
+                <a:latin typeface="Consolas" panose="020B0609020204030204" pitchFamily="49" charset="0"/>
+              </a:rPr>
+              <a:t>  </a:t>
+            </a:r>
+            <a:r>
+              <a:rPr lang="en-US" sz="1600" b="0" dirty="0" err="1">
+                <a:effectLst/>
+                <a:latin typeface="Consolas" panose="020B0609020204030204" pitchFamily="49" charset="0"/>
+              </a:rPr>
+              <a:t>instance_type</a:t>
+            </a:r>
+            <a:r>
+              <a:rPr lang="en-US" sz="1600" b="0" dirty="0">
+                <a:effectLst/>
+                <a:latin typeface="Consolas" panose="020B0609020204030204" pitchFamily="49" charset="0"/>
+              </a:rPr>
+              <a:t> = "t3.micro"</a:t>
+            </a:r>
+          </a:p>
+          <a:p>
+            <a:r>
+              <a:rPr lang="en-US" sz="1600" b="0" dirty="0">
+                <a:effectLst/>
+                <a:latin typeface="Consolas" panose="020B0609020204030204" pitchFamily="49" charset="0"/>
+              </a:rPr>
+              <a:t>  …</a:t>
+            </a:r>
+            <a:endParaRPr lang="en-US" sz="1600" dirty="0">
+              <a:latin typeface="Consolas" panose="020B0609020204030204" pitchFamily="49" charset="0"/>
+            </a:endParaRPr>
+          </a:p>
+          <a:p>
+            <a:r>
+              <a:rPr lang="en-US" sz="1600" b="0" dirty="0">
+                <a:effectLst/>
+                <a:latin typeface="Consolas" panose="020B0609020204030204" pitchFamily="49" charset="0"/>
+              </a:rPr>
+              <a:t>  tags = {</a:t>
+            </a:r>
+          </a:p>
+          <a:p>
+            <a:r>
+              <a:rPr lang="en-US" sz="1600" b="0" dirty="0">
+                <a:effectLst/>
+                <a:latin typeface="Consolas" panose="020B0609020204030204" pitchFamily="49" charset="0"/>
+              </a:rPr>
+              <a:t>    Name = "HelloWorld"</a:t>
+            </a:r>
+          </a:p>
+          <a:p>
+            <a:r>
+              <a:rPr lang="en-US" sz="1600" b="0" dirty="0">
+                <a:effectLst/>
+                <a:latin typeface="Consolas" panose="020B0609020204030204" pitchFamily="49" charset="0"/>
+              </a:rPr>
+              <a:t>  }</a:t>
+            </a:r>
+          </a:p>
+          <a:p>
+            <a:r>
+              <a:rPr lang="en-US" sz="1600" b="0" dirty="0">
+                <a:effectLst/>
+                <a:latin typeface="Consolas" panose="020B0609020204030204" pitchFamily="49" charset="0"/>
+              </a:rPr>
+              <a:t>}</a:t>
+            </a:r>
           </a:p>
         </p:txBody>
       </p:sp>
     </p:spTree>
     <p:extLst>
       <p:ext uri="{BB962C8B-B14F-4D97-AF65-F5344CB8AC3E}">
-        <p14:creationId xmlns:p14="http://schemas.microsoft.com/office/powerpoint/2010/main" val="317597602"/>
+        <p14:creationId xmlns:p14="http://schemas.microsoft.com/office/powerpoint/2010/main" val="1724471088"/>
       </p:ext>
     </p:extLst>
   </p:cSld>
@@ -5310,7 +5390,7 @@
           <p:cNvPr id="2" name="Title 1">
             <a:extLst>
               <a:ext uri="{FF2B5EF4-FFF2-40B4-BE49-F238E27FC236}">
-                <a16:creationId xmlns:a16="http://schemas.microsoft.com/office/drawing/2014/main" id="{D9139008-7112-4151-B358-DA84BEBDD929}"/>
+                <a16:creationId xmlns:a16="http://schemas.microsoft.com/office/drawing/2014/main" id="{4FF64504-9041-4466-A5E8-E4DF970A576C}"/>
               </a:ext>
             </a:extLst>
           </p:cNvPr>
@@ -5328,7 +5408,7 @@
           <a:p>
             <a:r>
               <a:rPr lang="en-US" dirty="0"/>
-              <a:t>Terraform Workflow</a:t>
+              <a:t>Terraform modules</a:t>
             </a:r>
           </a:p>
         </p:txBody>
@@ -5338,7 +5418,7 @@
           <p:cNvPr id="3" name="Content Placeholder 2">
             <a:extLst>
               <a:ext uri="{FF2B5EF4-FFF2-40B4-BE49-F238E27FC236}">
-                <a16:creationId xmlns:a16="http://schemas.microsoft.com/office/drawing/2014/main" id="{7F76C435-125D-4D2F-8706-61B8C82F24B5}"/>
+                <a16:creationId xmlns:a16="http://schemas.microsoft.com/office/drawing/2014/main" id="{A52ED9BB-4BC4-468D-8001-C7AD6870BC00}"/>
               </a:ext>
             </a:extLst>
           </p:cNvPr>
@@ -5351,128 +5431,36 @@
         </p:nvSpPr>
         <p:spPr/>
         <p:txBody>
-          <a:bodyPr>
-            <a:normAutofit lnSpcReduction="10000"/>
-          </a:bodyPr>
-          <a:lstStyle/>
-          <a:p>
-            <a:r>
-              <a:rPr lang="en-US" dirty="0"/>
-              <a:t>terraform </a:t>
-            </a:r>
-            <a:r>
-              <a:rPr lang="en-US" dirty="0" err="1"/>
-              <a:t>init</a:t>
-            </a:r>
-            <a:endParaRPr lang="en-US" dirty="0"/>
-          </a:p>
-          <a:p>
-            <a:pPr lvl="1"/>
-            <a:r>
-              <a:rPr lang="en-US" dirty="0"/>
-              <a:t>Syntax check</a:t>
-            </a:r>
-          </a:p>
-          <a:p>
-            <a:pPr lvl="1"/>
-            <a:r>
-              <a:rPr lang="en-US" dirty="0"/>
-              <a:t>Download and install providers</a:t>
-            </a:r>
-          </a:p>
-          <a:p>
-            <a:pPr lvl="1"/>
-            <a:r>
-              <a:rPr lang="en-US" dirty="0"/>
-              <a:t>Download and install modules</a:t>
-            </a:r>
-          </a:p>
-          <a:p>
-            <a:pPr lvl="1"/>
-            <a:r>
-              <a:rPr lang="en-US" dirty="0"/>
-              <a:t>Load some configurations</a:t>
-            </a:r>
-          </a:p>
-          <a:p>
-            <a:r>
-              <a:rPr lang="en-US" dirty="0"/>
-              <a:t>terraform plan</a:t>
-            </a:r>
-          </a:p>
-          <a:p>
-            <a:pPr lvl="1"/>
-            <a:r>
-              <a:rPr lang="en-US" dirty="0"/>
-              <a:t>Check terraform state</a:t>
-            </a:r>
-          </a:p>
-          <a:p>
-            <a:pPr lvl="1"/>
-            <a:r>
-              <a:rPr lang="en-US" dirty="0"/>
-              <a:t>Check current infrastructure </a:t>
-            </a:r>
-          </a:p>
-          <a:p>
-            <a:pPr lvl="1"/>
-            <a:r>
-              <a:rPr lang="en-US" dirty="0"/>
-              <a:t>Create diff between current infrastructure and desired state</a:t>
-            </a:r>
-          </a:p>
-          <a:p>
-            <a:r>
-              <a:rPr lang="en-US" dirty="0"/>
-              <a:t>terraform apply</a:t>
-            </a:r>
-          </a:p>
-          <a:p>
-            <a:pPr lvl="1"/>
-            <a:r>
-              <a:rPr lang="en-US" dirty="0"/>
-              <a:t>Execute terraform plan as first step</a:t>
-            </a:r>
-          </a:p>
-          <a:p>
-            <a:pPr lvl="1"/>
-            <a:r>
-              <a:rPr lang="en-US" dirty="0"/>
-              <a:t>Waits for approval</a:t>
-            </a:r>
-          </a:p>
-          <a:p>
-            <a:pPr lvl="1"/>
-            <a:r>
-              <a:rPr lang="en-US" dirty="0"/>
-              <a:t>Apply all changes from the presented plan</a:t>
-            </a:r>
-          </a:p>
-          <a:p>
-            <a:r>
-              <a:rPr lang="en-US" dirty="0"/>
-              <a:t>terraform destroy </a:t>
-            </a:r>
-          </a:p>
-          <a:p>
-            <a:pPr lvl="1"/>
-            <a:r>
-              <a:rPr lang="en-US" dirty="0"/>
-              <a:t>Execute plan as a first step</a:t>
-            </a:r>
-          </a:p>
-          <a:p>
-            <a:pPr lvl="1"/>
-            <a:r>
-              <a:rPr lang="en-US" dirty="0"/>
-              <a:t>Waits for approval</a:t>
-            </a:r>
-          </a:p>
-          <a:p>
-            <a:pPr lvl="1"/>
-            <a:r>
-              <a:rPr lang="en-US" dirty="0"/>
-              <a:t>Destroy all resources from the presented plan</a:t>
+          <a:bodyPr/>
+          <a:lstStyle/>
+          <a:p>
+            <a:r>
+              <a:rPr lang="en-US" dirty="0"/>
+              <a:t>Code reuse</a:t>
+            </a:r>
+          </a:p>
+          <a:p>
+            <a:r>
+              <a:rPr lang="en-US" dirty="0"/>
+              <a:t>Easier testing</a:t>
+            </a:r>
+          </a:p>
+          <a:p>
+            <a:r>
+              <a:rPr lang="en-US" dirty="0"/>
+              <a:t>Apply versioning</a:t>
+            </a:r>
+          </a:p>
+          <a:p>
+            <a:r>
+              <a:rPr lang="en-US" dirty="0"/>
+              <a:t>Use version constraints</a:t>
+            </a:r>
+          </a:p>
+          <a:p>
+            <a:r>
+              <a:rPr lang="en-US" dirty="0"/>
+              <a:t>Use and contribute to the public Module Registry</a:t>
             </a:r>
           </a:p>
         </p:txBody>
@@ -5480,7 +5468,7 @@
     </p:spTree>
     <p:extLst>
       <p:ext uri="{BB962C8B-B14F-4D97-AF65-F5344CB8AC3E}">
-        <p14:creationId xmlns:p14="http://schemas.microsoft.com/office/powerpoint/2010/main" val="2298127801"/>
+        <p14:creationId xmlns:p14="http://schemas.microsoft.com/office/powerpoint/2010/main" val="811135219"/>
       </p:ext>
     </p:extLst>
   </p:cSld>
@@ -5512,7 +5500,7 @@
           <p:cNvPr id="2" name="Title 1">
             <a:extLst>
               <a:ext uri="{FF2B5EF4-FFF2-40B4-BE49-F238E27FC236}">
-                <a16:creationId xmlns:a16="http://schemas.microsoft.com/office/drawing/2014/main" id="{4FF64504-9041-4466-A5E8-E4DF970A576C}"/>
+                <a16:creationId xmlns:a16="http://schemas.microsoft.com/office/drawing/2014/main" id="{B2B5108D-A598-4EC8-8266-16064EBEB23A}"/>
               </a:ext>
             </a:extLst>
           </p:cNvPr>
@@ -5530,7 +5518,7 @@
           <a:p>
             <a:r>
               <a:rPr lang="en-US" dirty="0"/>
-              <a:t>Terraform Modules</a:t>
+              <a:t>Terraform state</a:t>
             </a:r>
           </a:p>
         </p:txBody>
@@ -5540,7 +5528,7 @@
           <p:cNvPr id="3" name="Content Placeholder 2">
             <a:extLst>
               <a:ext uri="{FF2B5EF4-FFF2-40B4-BE49-F238E27FC236}">
-                <a16:creationId xmlns:a16="http://schemas.microsoft.com/office/drawing/2014/main" id="{A52ED9BB-4BC4-468D-8001-C7AD6870BC00}"/>
+                <a16:creationId xmlns:a16="http://schemas.microsoft.com/office/drawing/2014/main" id="{81C765B9-0AA8-413A-A5BC-C4CBA24CD9CD}"/>
               </a:ext>
             </a:extLst>
           </p:cNvPr>
@@ -5551,46 +5539,447 @@
             <p:ph idx="1"/>
           </p:nvPr>
         </p:nvSpPr>
-        <p:spPr/>
-        <p:txBody>
-          <a:bodyPr/>
-          <a:lstStyle/>
-          <a:p>
-            <a:r>
-              <a:rPr lang="en-US" dirty="0"/>
-              <a:t>Code reuse</a:t>
-            </a:r>
-          </a:p>
-          <a:p>
-            <a:r>
-              <a:rPr lang="en-US" dirty="0"/>
-              <a:t>Easier testing</a:t>
-            </a:r>
-          </a:p>
-          <a:p>
-            <a:r>
-              <a:rPr lang="en-US" dirty="0"/>
-              <a:t>Apply versioning</a:t>
-            </a:r>
-          </a:p>
-          <a:p>
-            <a:r>
-              <a:rPr lang="en-US" dirty="0"/>
-              <a:t>Use version constraints</a:t>
-            </a:r>
-          </a:p>
-          <a:p>
-            <a:r>
-              <a:rPr lang="en-US" dirty="0"/>
-              <a:t>Use and contribute to the public Module Registry</a:t>
-            </a:r>
+        <p:spPr>
+          <a:xfrm>
+            <a:off x="393894" y="1008220"/>
+            <a:ext cx="10560618" cy="5849779"/>
+          </a:xfrm>
+        </p:spPr>
+        <p:txBody>
+          <a:bodyPr>
+            <a:normAutofit lnSpcReduction="10000"/>
+          </a:bodyPr>
+          <a:lstStyle/>
+          <a:p>
+            <a:r>
+              <a:rPr lang="en-US" dirty="0"/>
+              <a:t>Terraform keeps track of your infrastructure using the state</a:t>
+            </a:r>
+          </a:p>
+          <a:p>
+            <a:pPr lvl="1"/>
+            <a:r>
+              <a:rPr lang="en-US" dirty="0"/>
+              <a:t>State is required and terraform cannot work without it</a:t>
+            </a:r>
+          </a:p>
+          <a:p>
+            <a:endParaRPr lang="en-US" dirty="0"/>
+          </a:p>
+          <a:p>
+            <a:r>
+              <a:rPr lang="en-US" dirty="0"/>
+              <a:t>The primary purpose </a:t>
+            </a:r>
+          </a:p>
+          <a:p>
+            <a:pPr lvl="1"/>
+            <a:r>
+              <a:rPr lang="en-US" dirty="0"/>
+              <a:t>Keep bindings between objects in a remote system and resource instances declared in your configuration</a:t>
+            </a:r>
+          </a:p>
+          <a:p>
+            <a:pPr lvl="1"/>
+            <a:r>
+              <a:rPr lang="en-US" dirty="0"/>
+              <a:t>Record the identity of the object, and then update or delete that object</a:t>
+            </a:r>
+          </a:p>
+          <a:p>
+            <a:endParaRPr lang="en-US" dirty="0"/>
+          </a:p>
+          <a:p>
+            <a:r>
+              <a:rPr lang="en-US" dirty="0"/>
+              <a:t>The state is stored by default in a local file named "</a:t>
+            </a:r>
+            <a:r>
+              <a:rPr lang="en-US" dirty="0" err="1"/>
+              <a:t>terraform.tfstate</a:t>
+            </a:r>
+            <a:r>
+              <a:rPr lang="en-US" dirty="0"/>
+              <a:t>“</a:t>
+            </a:r>
+          </a:p>
+          <a:p>
+            <a:pPr lvl="1"/>
+            <a:r>
+              <a:rPr lang="en-US" dirty="0"/>
+              <a:t>Good for local testing and simple setups</a:t>
+            </a:r>
+          </a:p>
+          <a:p>
+            <a:endParaRPr lang="en-US" dirty="0"/>
+          </a:p>
+          <a:p>
+            <a:r>
+              <a:rPr lang="en-US" dirty="0"/>
+              <a:t>The state can also be stored remotely </a:t>
+            </a:r>
+          </a:p>
+          <a:p>
+            <a:pPr lvl="1"/>
+            <a:r>
+              <a:rPr lang="en-US" dirty="0"/>
+              <a:t>Good for a team setup</a:t>
+            </a:r>
+          </a:p>
+          <a:p>
+            <a:pPr lvl="1"/>
+            <a:r>
+              <a:rPr lang="en-US" dirty="0"/>
+              <a:t>Supports different backends (e.g. S3, GCS and etc.)</a:t>
+            </a:r>
+          </a:p>
+          <a:p>
+            <a:pPr lvl="1"/>
+            <a:endParaRPr lang="en-US" dirty="0"/>
+          </a:p>
+          <a:p>
+            <a:r>
+              <a:rPr lang="en-US" dirty="0"/>
+              <a:t>Terraform state is just a json file</a:t>
+            </a:r>
+          </a:p>
+          <a:p>
+            <a:pPr lvl="1"/>
+            <a:r>
+              <a:rPr lang="en-US" dirty="0"/>
+              <a:t>Manual modifications of the state file are </a:t>
+            </a:r>
+            <a:r>
+              <a:rPr lang="en-US" b="1" dirty="0"/>
+              <a:t>discouraged</a:t>
+            </a:r>
+          </a:p>
+          <a:p>
+            <a:endParaRPr lang="en-US" dirty="0"/>
           </a:p>
         </p:txBody>
       </p:sp>
     </p:spTree>
     <p:extLst>
       <p:ext uri="{BB962C8B-B14F-4D97-AF65-F5344CB8AC3E}">
-        <p14:creationId xmlns:p14="http://schemas.microsoft.com/office/powerpoint/2010/main" val="811135219"/>
+        <p14:creationId xmlns:p14="http://schemas.microsoft.com/office/powerpoint/2010/main" val="317597602"/>
+      </p:ext>
+    </p:extLst>
+  </p:cSld>
+  <p:clrMapOvr>
+    <a:masterClrMapping/>
+  </p:clrMapOvr>
+</p:sld>
+</file>
+
+<file path=ppt/slides/slide8.xml><?xml version="1.0" encoding="utf-8"?>
+<p:sld xmlns:a="http://schemas.openxmlformats.org/drawingml/2006/main" xmlns:r="http://schemas.openxmlformats.org/officeDocument/2006/relationships" xmlns:p="http://schemas.openxmlformats.org/presentationml/2006/main">
+  <p:cSld>
+    <p:spTree>
+      <p:nvGrpSpPr>
+        <p:cNvPr id="1" name=""/>
+        <p:cNvGrpSpPr/>
+        <p:nvPr/>
+      </p:nvGrpSpPr>
+      <p:grpSpPr>
+        <a:xfrm>
+          <a:off x="0" y="0"/>
+          <a:ext cx="0" cy="0"/>
+          <a:chOff x="0" y="0"/>
+          <a:chExt cx="0" cy="0"/>
+        </a:xfrm>
+      </p:grpSpPr>
+      <p:sp>
+        <p:nvSpPr>
+          <p:cNvPr id="2" name="Title 1">
+            <a:extLst>
+              <a:ext uri="{FF2B5EF4-FFF2-40B4-BE49-F238E27FC236}">
+                <a16:creationId xmlns:a16="http://schemas.microsoft.com/office/drawing/2014/main" id="{D9139008-7112-4151-B358-DA84BEBDD929}"/>
+              </a:ext>
+            </a:extLst>
+          </p:cNvPr>
+          <p:cNvSpPr>
+            <a:spLocks noGrp="1"/>
+          </p:cNvSpPr>
+          <p:nvPr>
+            <p:ph type="title"/>
+          </p:nvPr>
+        </p:nvSpPr>
+        <p:spPr/>
+        <p:txBody>
+          <a:bodyPr/>
+          <a:lstStyle/>
+          <a:p>
+            <a:r>
+              <a:rPr lang="en-US" dirty="0"/>
+              <a:t>Terraform Workflow</a:t>
+            </a:r>
+          </a:p>
+        </p:txBody>
+      </p:sp>
+      <p:sp>
+        <p:nvSpPr>
+          <p:cNvPr id="3" name="Content Placeholder 2">
+            <a:extLst>
+              <a:ext uri="{FF2B5EF4-FFF2-40B4-BE49-F238E27FC236}">
+                <a16:creationId xmlns:a16="http://schemas.microsoft.com/office/drawing/2014/main" id="{7F76C435-125D-4D2F-8706-61B8C82F24B5}"/>
+              </a:ext>
+            </a:extLst>
+          </p:cNvPr>
+          <p:cNvSpPr>
+            <a:spLocks noGrp="1"/>
+          </p:cNvSpPr>
+          <p:nvPr>
+            <p:ph idx="1"/>
+          </p:nvPr>
+        </p:nvSpPr>
+        <p:spPr/>
+        <p:txBody>
+          <a:bodyPr>
+            <a:normAutofit lnSpcReduction="10000"/>
+          </a:bodyPr>
+          <a:lstStyle/>
+          <a:p>
+            <a:r>
+              <a:rPr lang="en-US" dirty="0"/>
+              <a:t>terraform </a:t>
+            </a:r>
+            <a:r>
+              <a:rPr lang="en-US" dirty="0" err="1"/>
+              <a:t>init</a:t>
+            </a:r>
+            <a:endParaRPr lang="en-US" dirty="0"/>
+          </a:p>
+          <a:p>
+            <a:pPr lvl="1"/>
+            <a:r>
+              <a:rPr lang="en-US" dirty="0"/>
+              <a:t>Syntax check</a:t>
+            </a:r>
+          </a:p>
+          <a:p>
+            <a:pPr lvl="1"/>
+            <a:r>
+              <a:rPr lang="en-US" dirty="0"/>
+              <a:t>Download and install providers</a:t>
+            </a:r>
+          </a:p>
+          <a:p>
+            <a:pPr lvl="1"/>
+            <a:r>
+              <a:rPr lang="en-US" dirty="0"/>
+              <a:t>Download and install modules</a:t>
+            </a:r>
+          </a:p>
+          <a:p>
+            <a:pPr lvl="1"/>
+            <a:r>
+              <a:rPr lang="en-US" dirty="0"/>
+              <a:t>Load some configurations</a:t>
+            </a:r>
+          </a:p>
+          <a:p>
+            <a:r>
+              <a:rPr lang="en-US" dirty="0"/>
+              <a:t>terraform plan</a:t>
+            </a:r>
+          </a:p>
+          <a:p>
+            <a:pPr lvl="1"/>
+            <a:r>
+              <a:rPr lang="en-US" dirty="0"/>
+              <a:t>Check terraform state</a:t>
+            </a:r>
+          </a:p>
+          <a:p>
+            <a:pPr lvl="1"/>
+            <a:r>
+              <a:rPr lang="en-US" dirty="0"/>
+              <a:t>Check current infrastructure </a:t>
+            </a:r>
+          </a:p>
+          <a:p>
+            <a:pPr lvl="1"/>
+            <a:r>
+              <a:rPr lang="en-US" dirty="0"/>
+              <a:t>Create diff between current infrastructure and desired state</a:t>
+            </a:r>
+          </a:p>
+          <a:p>
+            <a:r>
+              <a:rPr lang="en-US" dirty="0"/>
+              <a:t>terraform apply</a:t>
+            </a:r>
+          </a:p>
+          <a:p>
+            <a:pPr lvl="1"/>
+            <a:r>
+              <a:rPr lang="en-US" dirty="0"/>
+              <a:t>Execute terraform plan as first step</a:t>
+            </a:r>
+          </a:p>
+          <a:p>
+            <a:pPr lvl="1"/>
+            <a:r>
+              <a:rPr lang="en-US" dirty="0"/>
+              <a:t>Waits for approval</a:t>
+            </a:r>
+          </a:p>
+          <a:p>
+            <a:pPr lvl="1"/>
+            <a:r>
+              <a:rPr lang="en-US" dirty="0"/>
+              <a:t>Apply all changes from the presented plan</a:t>
+            </a:r>
+          </a:p>
+          <a:p>
+            <a:r>
+              <a:rPr lang="en-US" dirty="0"/>
+              <a:t>terraform destroy </a:t>
+            </a:r>
+          </a:p>
+          <a:p>
+            <a:pPr lvl="1"/>
+            <a:r>
+              <a:rPr lang="en-US" dirty="0"/>
+              <a:t>Execute plan as a first step</a:t>
+            </a:r>
+          </a:p>
+          <a:p>
+            <a:pPr lvl="1"/>
+            <a:r>
+              <a:rPr lang="en-US" dirty="0"/>
+              <a:t>Waits for approval</a:t>
+            </a:r>
+          </a:p>
+          <a:p>
+            <a:pPr lvl="1"/>
+            <a:r>
+              <a:rPr lang="en-US" dirty="0"/>
+              <a:t>Destroy all resources from the presented plan</a:t>
+            </a:r>
+          </a:p>
+        </p:txBody>
+      </p:sp>
+    </p:spTree>
+    <p:extLst>
+      <p:ext uri="{BB962C8B-B14F-4D97-AF65-F5344CB8AC3E}">
+        <p14:creationId xmlns:p14="http://schemas.microsoft.com/office/powerpoint/2010/main" val="2298127801"/>
+      </p:ext>
+    </p:extLst>
+  </p:cSld>
+  <p:clrMapOvr>
+    <a:masterClrMapping/>
+  </p:clrMapOvr>
+</p:sld>
+</file>
+
+<file path=ppt/slides/slide9.xml><?xml version="1.0" encoding="utf-8"?>
+<p:sld xmlns:a="http://schemas.openxmlformats.org/drawingml/2006/main" xmlns:r="http://schemas.openxmlformats.org/officeDocument/2006/relationships" xmlns:p="http://schemas.openxmlformats.org/presentationml/2006/main">
+  <p:cSld>
+    <p:spTree>
+      <p:nvGrpSpPr>
+        <p:cNvPr id="1" name=""/>
+        <p:cNvGrpSpPr/>
+        <p:nvPr/>
+      </p:nvGrpSpPr>
+      <p:grpSpPr>
+        <a:xfrm>
+          <a:off x="0" y="0"/>
+          <a:ext cx="0" cy="0"/>
+          <a:chOff x="0" y="0"/>
+          <a:chExt cx="0" cy="0"/>
+        </a:xfrm>
+      </p:grpSpPr>
+      <p:sp>
+        <p:nvSpPr>
+          <p:cNvPr id="2" name="Title 1">
+            <a:extLst>
+              <a:ext uri="{FF2B5EF4-FFF2-40B4-BE49-F238E27FC236}">
+                <a16:creationId xmlns:a16="http://schemas.microsoft.com/office/drawing/2014/main" id="{22614C65-DF03-4642-91ED-9CF0A746D79C}"/>
+              </a:ext>
+            </a:extLst>
+          </p:cNvPr>
+          <p:cNvSpPr>
+            <a:spLocks noGrp="1"/>
+          </p:cNvSpPr>
+          <p:nvPr>
+            <p:ph type="title"/>
+          </p:nvPr>
+        </p:nvSpPr>
+        <p:spPr/>
+        <p:txBody>
+          <a:bodyPr/>
+          <a:lstStyle/>
+          <a:p>
+            <a:r>
+              <a:rPr lang="en-US" dirty="0"/>
+              <a:t>Free Resources	</a:t>
+            </a:r>
+          </a:p>
+        </p:txBody>
+      </p:sp>
+      <p:sp>
+        <p:nvSpPr>
+          <p:cNvPr id="3" name="Content Placeholder 2">
+            <a:extLst>
+              <a:ext uri="{FF2B5EF4-FFF2-40B4-BE49-F238E27FC236}">
+                <a16:creationId xmlns:a16="http://schemas.microsoft.com/office/drawing/2014/main" id="{E85DB71A-F8FA-40CB-89B7-23CE74D46347}"/>
+              </a:ext>
+            </a:extLst>
+          </p:cNvPr>
+          <p:cNvSpPr>
+            <a:spLocks noGrp="1"/>
+          </p:cNvSpPr>
+          <p:nvPr>
+            <p:ph idx="1"/>
+          </p:nvPr>
+        </p:nvSpPr>
+        <p:spPr/>
+        <p:txBody>
+          <a:bodyPr/>
+          <a:lstStyle/>
+          <a:p>
+            <a:r>
+              <a:rPr lang="en-US" dirty="0"/>
+              <a:t>Video Courses</a:t>
+            </a:r>
+            <a:endParaRPr lang="en-US" dirty="0">
+              <a:hlinkClick r:id="rId2"/>
+            </a:endParaRPr>
+          </a:p>
+          <a:p>
+            <a:pPr lvl="1"/>
+            <a:r>
+              <a:rPr lang="en-US" dirty="0">
+                <a:hlinkClick r:id="rId2"/>
+              </a:rPr>
+              <a:t>https://www.udemy.com/course/terraform-101/</a:t>
+            </a:r>
+            <a:endParaRPr lang="en-US" dirty="0"/>
+          </a:p>
+          <a:p>
+            <a:pPr lvl="1"/>
+            <a:r>
+              <a:rPr lang="en-US" dirty="0">
+                <a:hlinkClick r:id="rId3"/>
+              </a:rPr>
+              <a:t>https://www.udemy.com/course/terraform-aws/</a:t>
+            </a:r>
+            <a:endParaRPr lang="en-US" dirty="0"/>
+          </a:p>
+          <a:p>
+            <a:endParaRPr lang="en-US" dirty="0"/>
+          </a:p>
+          <a:p>
+            <a:endParaRPr lang="en-US" dirty="0"/>
+          </a:p>
+        </p:txBody>
+      </p:sp>
+    </p:spTree>
+    <p:extLst>
+      <p:ext uri="{BB962C8B-B14F-4D97-AF65-F5344CB8AC3E}">
+        <p14:creationId xmlns:p14="http://schemas.microsoft.com/office/powerpoint/2010/main" val="1569285979"/>
       </p:ext>
     </p:extLst>
   </p:cSld>
